--- a/Documentation/Images/03_Control/Bringup_pictures.pptx
+++ b/Documentation/Images/03_Control/Bringup_pictures.pptx
@@ -260,7 +260,7 @@
           <a:p>
             <a:fld id="{FE57838B-E04A-4FA0-B52C-9FF96CBE1B1C}" type="datetimeFigureOut">
               <a:rPr lang="en-GB" smtClean="0"/>
-              <a:t>09/11/2025</a:t>
+              <a:t>14/11/2025</a:t>
             </a:fld>
             <a:endParaRPr lang="en-GB"/>
           </a:p>
@@ -458,7 +458,7 @@
           <a:p>
             <a:fld id="{FE57838B-E04A-4FA0-B52C-9FF96CBE1B1C}" type="datetimeFigureOut">
               <a:rPr lang="en-GB" smtClean="0"/>
-              <a:t>09/11/2025</a:t>
+              <a:t>14/11/2025</a:t>
             </a:fld>
             <a:endParaRPr lang="en-GB"/>
           </a:p>
@@ -666,7 +666,7 @@
           <a:p>
             <a:fld id="{FE57838B-E04A-4FA0-B52C-9FF96CBE1B1C}" type="datetimeFigureOut">
               <a:rPr lang="en-GB" smtClean="0"/>
-              <a:t>09/11/2025</a:t>
+              <a:t>14/11/2025</a:t>
             </a:fld>
             <a:endParaRPr lang="en-GB"/>
           </a:p>
@@ -864,7 +864,7 @@
           <a:p>
             <a:fld id="{FE57838B-E04A-4FA0-B52C-9FF96CBE1B1C}" type="datetimeFigureOut">
               <a:rPr lang="en-GB" smtClean="0"/>
-              <a:t>09/11/2025</a:t>
+              <a:t>14/11/2025</a:t>
             </a:fld>
             <a:endParaRPr lang="en-GB"/>
           </a:p>
@@ -1139,7 +1139,7 @@
           <a:p>
             <a:fld id="{FE57838B-E04A-4FA0-B52C-9FF96CBE1B1C}" type="datetimeFigureOut">
               <a:rPr lang="en-GB" smtClean="0"/>
-              <a:t>09/11/2025</a:t>
+              <a:t>14/11/2025</a:t>
             </a:fld>
             <a:endParaRPr lang="en-GB"/>
           </a:p>
@@ -1404,7 +1404,7 @@
           <a:p>
             <a:fld id="{FE57838B-E04A-4FA0-B52C-9FF96CBE1B1C}" type="datetimeFigureOut">
               <a:rPr lang="en-GB" smtClean="0"/>
-              <a:t>09/11/2025</a:t>
+              <a:t>14/11/2025</a:t>
             </a:fld>
             <a:endParaRPr lang="en-GB"/>
           </a:p>
@@ -1816,7 +1816,7 @@
           <a:p>
             <a:fld id="{FE57838B-E04A-4FA0-B52C-9FF96CBE1B1C}" type="datetimeFigureOut">
               <a:rPr lang="en-GB" smtClean="0"/>
-              <a:t>09/11/2025</a:t>
+              <a:t>14/11/2025</a:t>
             </a:fld>
             <a:endParaRPr lang="en-GB"/>
           </a:p>
@@ -1957,7 +1957,7 @@
           <a:p>
             <a:fld id="{FE57838B-E04A-4FA0-B52C-9FF96CBE1B1C}" type="datetimeFigureOut">
               <a:rPr lang="en-GB" smtClean="0"/>
-              <a:t>09/11/2025</a:t>
+              <a:t>14/11/2025</a:t>
             </a:fld>
             <a:endParaRPr lang="en-GB"/>
           </a:p>
@@ -2070,7 +2070,7 @@
           <a:p>
             <a:fld id="{FE57838B-E04A-4FA0-B52C-9FF96CBE1B1C}" type="datetimeFigureOut">
               <a:rPr lang="en-GB" smtClean="0"/>
-              <a:t>09/11/2025</a:t>
+              <a:t>14/11/2025</a:t>
             </a:fld>
             <a:endParaRPr lang="en-GB"/>
           </a:p>
@@ -2381,7 +2381,7 @@
           <a:p>
             <a:fld id="{FE57838B-E04A-4FA0-B52C-9FF96CBE1B1C}" type="datetimeFigureOut">
               <a:rPr lang="en-GB" smtClean="0"/>
-              <a:t>09/11/2025</a:t>
+              <a:t>14/11/2025</a:t>
             </a:fld>
             <a:endParaRPr lang="en-GB"/>
           </a:p>
@@ -2669,7 +2669,7 @@
           <a:p>
             <a:fld id="{FE57838B-E04A-4FA0-B52C-9FF96CBE1B1C}" type="datetimeFigureOut">
               <a:rPr lang="en-GB" smtClean="0"/>
-              <a:t>09/11/2025</a:t>
+              <a:t>14/11/2025</a:t>
             </a:fld>
             <a:endParaRPr lang="en-GB"/>
           </a:p>
@@ -2910,7 +2910,7 @@
           <a:p>
             <a:fld id="{FE57838B-E04A-4FA0-B52C-9FF96CBE1B1C}" type="datetimeFigureOut">
               <a:rPr lang="en-GB" smtClean="0"/>
-              <a:t>09/11/2025</a:t>
+              <a:t>14/11/2025</a:t>
             </a:fld>
             <a:endParaRPr lang="en-GB"/>
           </a:p>
@@ -4000,6 +4000,96 @@
             <a:r>
               <a:rPr lang="en-GB" sz="1400" b="1" dirty="0"/>
               <a:t>/rplidar_node</a:t>
+            </a:r>
+          </a:p>
+        </p:txBody>
+      </p:sp>
+      <p:sp>
+        <p:nvSpPr>
+          <p:cNvPr id="5" name="Rectangle 4">
+            <a:extLst>
+              <a:ext uri="{FF2B5EF4-FFF2-40B4-BE49-F238E27FC236}">
+                <a16:creationId xmlns:a16="http://schemas.microsoft.com/office/drawing/2014/main" id="{C54AC9DF-B748-4A7D-F2D1-943F3EC205F8}"/>
+              </a:ext>
+            </a:extLst>
+          </p:cNvPr>
+          <p:cNvSpPr/>
+          <p:nvPr/>
+        </p:nvSpPr>
+        <p:spPr>
+          <a:xfrm>
+            <a:off x="6191794" y="3599652"/>
+            <a:ext cx="1280160" cy="307777"/>
+          </a:xfrm>
+          <a:prstGeom prst="rect">
+            <a:avLst/>
+          </a:prstGeom>
+          <a:solidFill>
+            <a:schemeClr val="bg1"/>
+          </a:solidFill>
+          <a:ln>
+            <a:solidFill>
+              <a:schemeClr val="bg1"/>
+            </a:solidFill>
+          </a:ln>
+        </p:spPr>
+        <p:style>
+          <a:lnRef idx="2">
+            <a:schemeClr val="accent1">
+              <a:shade val="15000"/>
+            </a:schemeClr>
+          </a:lnRef>
+          <a:fillRef idx="1">
+            <a:schemeClr val="accent1"/>
+          </a:fillRef>
+          <a:effectRef idx="0">
+            <a:schemeClr val="accent1"/>
+          </a:effectRef>
+          <a:fontRef idx="minor">
+            <a:schemeClr val="lt1"/>
+          </a:fontRef>
+        </p:style>
+        <p:txBody>
+          <a:bodyPr rtlCol="0" anchor="ctr"/>
+          <a:lstStyle/>
+          <a:p>
+            <a:pPr algn="ctr"/>
+            <a:endParaRPr lang="en-GB"/>
+          </a:p>
+        </p:txBody>
+      </p:sp>
+      <p:sp>
+        <p:nvSpPr>
+          <p:cNvPr id="3" name="TextBox 2">
+            <a:extLst>
+              <a:ext uri="{FF2B5EF4-FFF2-40B4-BE49-F238E27FC236}">
+                <a16:creationId xmlns:a16="http://schemas.microsoft.com/office/drawing/2014/main" id="{C1098056-CCE5-765B-6217-6937B4AC8D76}"/>
+              </a:ext>
+            </a:extLst>
+          </p:cNvPr>
+          <p:cNvSpPr txBox="1"/>
+          <p:nvPr/>
+        </p:nvSpPr>
+        <p:spPr>
+          <a:xfrm>
+            <a:off x="5925916" y="3584069"/>
+            <a:ext cx="1759663" cy="523220"/>
+          </a:xfrm>
+          <a:prstGeom prst="rect">
+            <a:avLst/>
+          </a:prstGeom>
+          <a:noFill/>
+        </p:spPr>
+        <p:txBody>
+          <a:bodyPr wrap="square">
+            <a:spAutoFit/>
+          </a:bodyPr>
+          <a:lstStyle/>
+          <a:p>
+            <a:pPr algn="ctr"/>
+            <a:r>
+              <a:rPr lang="en-GB" sz="1400" b="1" dirty="0"/>
+              <a:t>/rubot_nano_driver_mecanum</a:t>
             </a:r>
           </a:p>
         </p:txBody>
